--- a/LAB4/RabbitMQ - Message Queue.pptx
+++ b/LAB4/RabbitMQ - Message Queue.pptx
@@ -12,10 +12,11 @@
     <p:sldId id="260" r:id="rId6"/>
     <p:sldId id="261" r:id="rId7"/>
     <p:sldId id="262" r:id="rId8"/>
-    <p:sldId id="263" r:id="rId9"/>
-    <p:sldId id="265" r:id="rId10"/>
-    <p:sldId id="264" r:id="rId11"/>
-    <p:sldId id="266" r:id="rId12"/>
+    <p:sldId id="267" r:id="rId9"/>
+    <p:sldId id="263" r:id="rId10"/>
+    <p:sldId id="265" r:id="rId11"/>
+    <p:sldId id="264" r:id="rId12"/>
+    <p:sldId id="266" r:id="rId13"/>
   </p:sldIdLst>
   <p:sldSz cx="12192000" cy="6858000"/>
   <p:notesSz cx="6858000" cy="9144000"/>
@@ -114,6 +115,11 @@
       </a:defRPr>
     </a:lvl9pPr>
   </p:defaultTextStyle>
+  <p:extLst>
+    <p:ext uri="{EFAFB233-063F-42B5-8137-9DF3F51BA10A}">
+      <p15:sldGuideLst xmlns:p15="http://schemas.microsoft.com/office/powerpoint/2012/main"/>
+    </p:ext>
+  </p:extLst>
 </p:presentation>
 </file>
 
@@ -266,7 +272,7 @@
           <a:p>
             <a:fld id="{3F2054C7-B0DE-4D7E-935F-FA27C9CA502E}" type="datetimeFigureOut">
               <a:rPr lang="en-US" smtClean="0"/>
-              <a:t>10/16/2019</a:t>
+              <a:t>10/17/2019</a:t>
             </a:fld>
             <a:endParaRPr lang="en-US"/>
           </a:p>
@@ -466,7 +472,7 @@
           <a:p>
             <a:fld id="{3F2054C7-B0DE-4D7E-935F-FA27C9CA502E}" type="datetimeFigureOut">
               <a:rPr lang="en-US" smtClean="0"/>
-              <a:t>10/16/2019</a:t>
+              <a:t>10/17/2019</a:t>
             </a:fld>
             <a:endParaRPr lang="en-US"/>
           </a:p>
@@ -676,7 +682,7 @@
           <a:p>
             <a:fld id="{3F2054C7-B0DE-4D7E-935F-FA27C9CA502E}" type="datetimeFigureOut">
               <a:rPr lang="en-US" smtClean="0"/>
-              <a:t>10/16/2019</a:t>
+              <a:t>10/17/2019</a:t>
             </a:fld>
             <a:endParaRPr lang="en-US"/>
           </a:p>
@@ -876,7 +882,7 @@
           <a:p>
             <a:fld id="{3F2054C7-B0DE-4D7E-935F-FA27C9CA502E}" type="datetimeFigureOut">
               <a:rPr lang="en-US" smtClean="0"/>
-              <a:t>10/16/2019</a:t>
+              <a:t>10/17/2019</a:t>
             </a:fld>
             <a:endParaRPr lang="en-US"/>
           </a:p>
@@ -1152,7 +1158,7 @@
           <a:p>
             <a:fld id="{3F2054C7-B0DE-4D7E-935F-FA27C9CA502E}" type="datetimeFigureOut">
               <a:rPr lang="en-US" smtClean="0"/>
-              <a:t>10/16/2019</a:t>
+              <a:t>10/17/2019</a:t>
             </a:fld>
             <a:endParaRPr lang="en-US"/>
           </a:p>
@@ -1420,7 +1426,7 @@
           <a:p>
             <a:fld id="{3F2054C7-B0DE-4D7E-935F-FA27C9CA502E}" type="datetimeFigureOut">
               <a:rPr lang="en-US" smtClean="0"/>
-              <a:t>10/16/2019</a:t>
+              <a:t>10/17/2019</a:t>
             </a:fld>
             <a:endParaRPr lang="en-US"/>
           </a:p>
@@ -1835,7 +1841,7 @@
           <a:p>
             <a:fld id="{3F2054C7-B0DE-4D7E-935F-FA27C9CA502E}" type="datetimeFigureOut">
               <a:rPr lang="en-US" smtClean="0"/>
-              <a:t>10/16/2019</a:t>
+              <a:t>10/17/2019</a:t>
             </a:fld>
             <a:endParaRPr lang="en-US"/>
           </a:p>
@@ -1977,7 +1983,7 @@
           <a:p>
             <a:fld id="{3F2054C7-B0DE-4D7E-935F-FA27C9CA502E}" type="datetimeFigureOut">
               <a:rPr lang="en-US" smtClean="0"/>
-              <a:t>10/16/2019</a:t>
+              <a:t>10/17/2019</a:t>
             </a:fld>
             <a:endParaRPr lang="en-US"/>
           </a:p>
@@ -2090,7 +2096,7 @@
           <a:p>
             <a:fld id="{3F2054C7-B0DE-4D7E-935F-FA27C9CA502E}" type="datetimeFigureOut">
               <a:rPr lang="en-US" smtClean="0"/>
-              <a:t>10/16/2019</a:t>
+              <a:t>10/17/2019</a:t>
             </a:fld>
             <a:endParaRPr lang="en-US"/>
           </a:p>
@@ -2403,7 +2409,7 @@
           <a:p>
             <a:fld id="{3F2054C7-B0DE-4D7E-935F-FA27C9CA502E}" type="datetimeFigureOut">
               <a:rPr lang="en-US" smtClean="0"/>
-              <a:t>10/16/2019</a:t>
+              <a:t>10/17/2019</a:t>
             </a:fld>
             <a:endParaRPr lang="en-US"/>
           </a:p>
@@ -2692,7 +2698,7 @@
           <a:p>
             <a:fld id="{3F2054C7-B0DE-4D7E-935F-FA27C9CA502E}" type="datetimeFigureOut">
               <a:rPr lang="en-US" smtClean="0"/>
-              <a:t>10/16/2019</a:t>
+              <a:t>10/17/2019</a:t>
             </a:fld>
             <a:endParaRPr lang="en-US"/>
           </a:p>
@@ -2935,7 +2941,7 @@
           <a:p>
             <a:fld id="{3F2054C7-B0DE-4D7E-935F-FA27C9CA502E}" type="datetimeFigureOut">
               <a:rPr lang="en-US" smtClean="0"/>
-              <a:t>10/16/2019</a:t>
+              <a:t>10/17/2019</a:t>
             </a:fld>
             <a:endParaRPr lang="en-US"/>
           </a:p>
@@ -3450,6 +3456,126 @@
           <p:cNvPr id="2" name="Titlu 1">
             <a:extLst>
               <a:ext uri="{FF2B5EF4-FFF2-40B4-BE49-F238E27FC236}">
+                <a16:creationId xmlns:a16="http://schemas.microsoft.com/office/drawing/2014/main" id="{E0BED5DF-F2A9-4DDC-84F1-8308E2948D41}"/>
+              </a:ext>
+            </a:extLst>
+          </p:cNvPr>
+          <p:cNvSpPr>
+            <a:spLocks noGrp="1"/>
+          </p:cNvSpPr>
+          <p:nvPr>
+            <p:ph type="title"/>
+          </p:nvPr>
+        </p:nvSpPr>
+        <p:spPr/>
+        <p:txBody>
+          <a:bodyPr/>
+          <a:lstStyle/>
+          <a:p>
+            <a:r>
+              <a:rPr lang="en-US" dirty="0" err="1"/>
+              <a:t>RabbitMQ.Client</a:t>
+            </a:r>
+            <a:r>
+              <a:rPr lang="en-US" dirty="0"/>
+              <a:t> </a:t>
+            </a:r>
+            <a:r>
+              <a:rPr lang="en-US" dirty="0" err="1"/>
+              <a:t>.Net</a:t>
+            </a:r>
+            <a:r>
+              <a:rPr lang="en-US" dirty="0"/>
+              <a:t>/C#</a:t>
+            </a:r>
+          </a:p>
+        </p:txBody>
+      </p:sp>
+      <p:sp>
+        <p:nvSpPr>
+          <p:cNvPr id="3" name="Substituent conținut 2">
+            <a:extLst>
+              <a:ext uri="{FF2B5EF4-FFF2-40B4-BE49-F238E27FC236}">
+                <a16:creationId xmlns:a16="http://schemas.microsoft.com/office/drawing/2014/main" id="{5FBCD992-2A45-43C9-A7E7-4017A4A92DE1}"/>
+              </a:ext>
+            </a:extLst>
+          </p:cNvPr>
+          <p:cNvSpPr>
+            <a:spLocks noGrp="1"/>
+          </p:cNvSpPr>
+          <p:nvPr>
+            <p:ph idx="1"/>
+          </p:nvPr>
+        </p:nvSpPr>
+        <p:spPr/>
+        <p:txBody>
+          <a:bodyPr/>
+          <a:lstStyle/>
+          <a:p>
+            <a:r>
+              <a:rPr lang="en-US" u="sng" dirty="0">
+                <a:hlinkClick r:id="rId2"/>
+              </a:rPr>
+              <a:t>https://www.rabbitmq.com/dotnet-api-guide.html</a:t>
+            </a:r>
+            <a:endParaRPr lang="en-US" b="0" dirty="0">
+              <a:effectLst/>
+            </a:endParaRPr>
+          </a:p>
+          <a:p>
+            <a:r>
+              <a:rPr lang="en-US" u="sng" dirty="0">
+                <a:hlinkClick r:id="rId3"/>
+              </a:rPr>
+              <a:t>https://www.rabbitmq.com/tutorials/tutorial-one-dotnet.html</a:t>
+            </a:r>
+            <a:endParaRPr lang="en-US" b="0" dirty="0">
+              <a:effectLst/>
+            </a:endParaRPr>
+          </a:p>
+          <a:p>
+            <a:pPr marL="0" indent="0">
+              <a:buNone/>
+            </a:pPr>
+            <a:endParaRPr lang="en-US" dirty="0"/>
+          </a:p>
+        </p:txBody>
+      </p:sp>
+    </p:spTree>
+    <p:extLst>
+      <p:ext uri="{BB962C8B-B14F-4D97-AF65-F5344CB8AC3E}">
+        <p14:creationId xmlns:p14="http://schemas.microsoft.com/office/powerpoint/2010/main" val="2023554785"/>
+      </p:ext>
+    </p:extLst>
+  </p:cSld>
+  <p:clrMapOvr>
+    <a:masterClrMapping/>
+  </p:clrMapOvr>
+</p:sld>
+</file>
+
+<file path=ppt/slides/slide11.xml><?xml version="1.0" encoding="utf-8"?>
+<p:sld xmlns:a="http://schemas.openxmlformats.org/drawingml/2006/main" xmlns:r="http://schemas.openxmlformats.org/officeDocument/2006/relationships" xmlns:p="http://schemas.openxmlformats.org/presentationml/2006/main">
+  <p:cSld>
+    <p:spTree>
+      <p:nvGrpSpPr>
+        <p:cNvPr id="1" name=""/>
+        <p:cNvGrpSpPr/>
+        <p:nvPr/>
+      </p:nvGrpSpPr>
+      <p:grpSpPr>
+        <a:xfrm>
+          <a:off x="0" y="0"/>
+          <a:ext cx="0" cy="0"/>
+          <a:chOff x="0" y="0"/>
+          <a:chExt cx="0" cy="0"/>
+        </a:xfrm>
+      </p:grpSpPr>
+      <p:sp>
+        <p:nvSpPr>
+          <p:cNvPr id="2" name="Titlu 1">
+            <a:extLst>
+              <a:ext uri="{FF2B5EF4-FFF2-40B4-BE49-F238E27FC236}">
                 <a16:creationId xmlns:a16="http://schemas.microsoft.com/office/drawing/2014/main" id="{70448417-45E7-4F18-8D11-FAB11CE9907D}"/>
               </a:ext>
             </a:extLst>
@@ -4069,7 +4195,7 @@
 </p:sld>
 </file>
 
-<file path=ppt/slides/slide11.xml><?xml version="1.0" encoding="utf-8"?>
+<file path=ppt/slides/slide12.xml><?xml version="1.0" encoding="utf-8"?>
 <p:sld xmlns:a="http://schemas.openxmlformats.org/drawingml/2006/main" xmlns:r="http://schemas.openxmlformats.org/officeDocument/2006/relationships" xmlns:p="http://schemas.openxmlformats.org/presentationml/2006/main">
   <p:cSld>
     <p:spTree>
@@ -4228,7 +4354,7 @@
         </p:nvSpPr>
         <p:spPr>
           <a:xfrm>
-            <a:off x="838200" y="2871537"/>
+            <a:off x="338818" y="2293012"/>
             <a:ext cx="2129589" cy="882316"/>
           </a:xfrm>
           <a:prstGeom prst="rect">
@@ -4281,7 +4407,7 @@
         </p:nvSpPr>
         <p:spPr>
           <a:xfrm>
-            <a:off x="2370221" y="4493544"/>
+            <a:off x="1754609" y="3336494"/>
             <a:ext cx="2129589" cy="882316"/>
           </a:xfrm>
           <a:prstGeom prst="rect">
@@ -4334,7 +4460,7 @@
         </p:nvSpPr>
         <p:spPr>
           <a:xfrm>
-            <a:off x="3435015" y="2800225"/>
+            <a:off x="3012909" y="2211253"/>
             <a:ext cx="2129589" cy="882316"/>
           </a:xfrm>
           <a:prstGeom prst="rect">
@@ -4390,13 +4516,13 @@
         </p:nvCxnSpPr>
         <p:spPr>
           <a:xfrm rot="16200000" flipH="1">
-            <a:off x="2484082" y="2290450"/>
-            <a:ext cx="369846" cy="1532020"/>
+            <a:off x="2028561" y="1668063"/>
+            <a:ext cx="359399" cy="1609296"/>
           </a:xfrm>
           <a:prstGeom prst="curvedConnector4">
             <a:avLst>
-              <a:gd name="adj1" fmla="val -61810"/>
-              <a:gd name="adj2" fmla="val 84751"/>
+              <a:gd name="adj1" fmla="val -63606"/>
+              <a:gd name="adj2" fmla="val 83083"/>
             </a:avLst>
           </a:prstGeom>
           <a:ln>
@@ -4436,13 +4562,13 @@
         </p:nvCxnSpPr>
         <p:spPr>
           <a:xfrm flipH="1">
-            <a:off x="3435016" y="3241383"/>
-            <a:ext cx="2129588" cy="2134477"/>
+            <a:off x="2819404" y="2652411"/>
+            <a:ext cx="2323094" cy="1566399"/>
           </a:xfrm>
           <a:prstGeom prst="curvedConnector4">
             <a:avLst>
-              <a:gd name="adj1" fmla="val -10734"/>
-              <a:gd name="adj2" fmla="val 110710"/>
+              <a:gd name="adj1" fmla="val -9840"/>
+              <a:gd name="adj2" fmla="val 114594"/>
             </a:avLst>
           </a:prstGeom>
           <a:ln>
@@ -4478,7 +4604,7 @@
         </p:nvSpPr>
         <p:spPr>
           <a:xfrm>
-            <a:off x="6775782" y="2209798"/>
+            <a:off x="6646443" y="465839"/>
             <a:ext cx="2129589" cy="1323475"/>
           </a:xfrm>
           <a:prstGeom prst="rect">
@@ -4527,7 +4653,7 @@
         </p:nvSpPr>
         <p:spPr>
           <a:xfrm>
-            <a:off x="9372596" y="2174141"/>
+            <a:off x="9243257" y="430182"/>
             <a:ext cx="2129589" cy="1323475"/>
           </a:xfrm>
           <a:prstGeom prst="rect">
@@ -4576,7 +4702,7 @@
         </p:nvSpPr>
         <p:spPr>
           <a:xfrm>
-            <a:off x="8049123" y="4714122"/>
+            <a:off x="7919784" y="2970163"/>
             <a:ext cx="2129589" cy="1323475"/>
           </a:xfrm>
           <a:prstGeom prst="rect">
@@ -4629,7 +4755,7 @@
         </p:nvCxnSpPr>
         <p:spPr>
           <a:xfrm rot="16200000" flipV="1">
-            <a:off x="7886824" y="3487027"/>
+            <a:off x="7757485" y="1743068"/>
             <a:ext cx="1180849" cy="1273341"/>
           </a:xfrm>
           <a:prstGeom prst="curvedConnector3">
@@ -4673,7 +4799,7 @@
         </p:nvCxnSpPr>
         <p:spPr>
           <a:xfrm rot="5400000" flipH="1" flipV="1">
-            <a:off x="9167401" y="3444133"/>
+            <a:off x="9038062" y="1700174"/>
             <a:ext cx="1216506" cy="1323473"/>
           </a:xfrm>
           <a:prstGeom prst="curvedConnector3">
@@ -4712,7 +4838,7 @@
         </p:nvSpPr>
         <p:spPr>
           <a:xfrm>
-            <a:off x="6336632" y="1838909"/>
+            <a:off x="6207293" y="94950"/>
             <a:ext cx="5614736" cy="4653966"/>
           </a:xfrm>
           <a:prstGeom prst="rect">
@@ -4759,6 +4885,352 @@
               </a:rPr>
               <a:t> D</a:t>
             </a:r>
+          </a:p>
+        </p:txBody>
+      </p:sp>
+      <p:sp>
+        <p:nvSpPr>
+          <p:cNvPr id="23" name="Dreptunghi 22">
+            <a:extLst>
+              <a:ext uri="{FF2B5EF4-FFF2-40B4-BE49-F238E27FC236}">
+                <a16:creationId xmlns:a16="http://schemas.microsoft.com/office/drawing/2014/main" id="{F1D21FC6-9A1B-43C7-BE63-C8BC2E96E3A4}"/>
+              </a:ext>
+            </a:extLst>
+          </p:cNvPr>
+          <p:cNvSpPr/>
+          <p:nvPr/>
+        </p:nvSpPr>
+        <p:spPr>
+          <a:xfrm>
+            <a:off x="961888" y="5439266"/>
+            <a:ext cx="2922310" cy="882316"/>
+          </a:xfrm>
+          <a:prstGeom prst="rect">
+            <a:avLst/>
+          </a:prstGeom>
+        </p:spPr>
+        <p:style>
+          <a:lnRef idx="2">
+            <a:schemeClr val="accent1">
+              <a:shade val="50000"/>
+            </a:schemeClr>
+          </a:lnRef>
+          <a:fillRef idx="1">
+            <a:schemeClr val="accent1"/>
+          </a:fillRef>
+          <a:effectRef idx="0">
+            <a:schemeClr val="accent1"/>
+          </a:effectRef>
+          <a:fontRef idx="minor">
+            <a:schemeClr val="lt1"/>
+          </a:fontRef>
+        </p:style>
+        <p:txBody>
+          <a:bodyPr rtlCol="0" anchor="ctr"/>
+          <a:lstStyle/>
+          <a:p>
+            <a:pPr algn="ctr"/>
+            <a:r>
+              <a:rPr lang="en-US" dirty="0" err="1"/>
+              <a:t>Aplicatia</a:t>
+            </a:r>
+            <a:r>
+              <a:rPr lang="en-US" dirty="0"/>
+              <a:t> E</a:t>
+            </a:r>
+          </a:p>
+        </p:txBody>
+      </p:sp>
+      <p:sp>
+        <p:nvSpPr>
+          <p:cNvPr id="25" name="Dreptunghi 24">
+            <a:extLst>
+              <a:ext uri="{FF2B5EF4-FFF2-40B4-BE49-F238E27FC236}">
+                <a16:creationId xmlns:a16="http://schemas.microsoft.com/office/drawing/2014/main" id="{9013F701-5F1A-414B-856A-BC49BB2228E0}"/>
+              </a:ext>
+            </a:extLst>
+          </p:cNvPr>
+          <p:cNvSpPr/>
+          <p:nvPr/>
+        </p:nvSpPr>
+        <p:spPr>
+          <a:xfrm>
+            <a:off x="7314877" y="5439266"/>
+            <a:ext cx="2922310" cy="882316"/>
+          </a:xfrm>
+          <a:prstGeom prst="rect">
+            <a:avLst/>
+          </a:prstGeom>
+        </p:spPr>
+        <p:style>
+          <a:lnRef idx="2">
+            <a:schemeClr val="accent1">
+              <a:shade val="50000"/>
+            </a:schemeClr>
+          </a:lnRef>
+          <a:fillRef idx="1">
+            <a:schemeClr val="accent1"/>
+          </a:fillRef>
+          <a:effectRef idx="0">
+            <a:schemeClr val="accent1"/>
+          </a:effectRef>
+          <a:fontRef idx="minor">
+            <a:schemeClr val="lt1"/>
+          </a:fontRef>
+        </p:style>
+        <p:txBody>
+          <a:bodyPr rtlCol="0" anchor="ctr"/>
+          <a:lstStyle/>
+          <a:p>
+            <a:pPr algn="ctr"/>
+            <a:r>
+              <a:rPr lang="en-US" dirty="0" err="1"/>
+              <a:t>Aplicatia</a:t>
+            </a:r>
+            <a:r>
+              <a:rPr lang="en-US" dirty="0"/>
+              <a:t> F</a:t>
+            </a:r>
+          </a:p>
+        </p:txBody>
+      </p:sp>
+      <p:sp>
+        <p:nvSpPr>
+          <p:cNvPr id="24" name="Schemă logică: memorie cu acces direct 23">
+            <a:extLst>
+              <a:ext uri="{FF2B5EF4-FFF2-40B4-BE49-F238E27FC236}">
+                <a16:creationId xmlns:a16="http://schemas.microsoft.com/office/drawing/2014/main" id="{F67929B6-0A78-43F6-8CA1-2F6F740E45DA}"/>
+              </a:ext>
+            </a:extLst>
+          </p:cNvPr>
+          <p:cNvSpPr/>
+          <p:nvPr/>
+        </p:nvSpPr>
+        <p:spPr>
+          <a:xfrm>
+            <a:off x="4713402" y="5621187"/>
+            <a:ext cx="1933041" cy="518474"/>
+          </a:xfrm>
+          <a:prstGeom prst="flowChartMagneticDrum">
+            <a:avLst/>
+          </a:prstGeom>
+        </p:spPr>
+        <p:style>
+          <a:lnRef idx="2">
+            <a:schemeClr val="accent1">
+              <a:shade val="50000"/>
+            </a:schemeClr>
+          </a:lnRef>
+          <a:fillRef idx="1">
+            <a:schemeClr val="accent1"/>
+          </a:fillRef>
+          <a:effectRef idx="0">
+            <a:schemeClr val="accent1"/>
+          </a:effectRef>
+          <a:fontRef idx="minor">
+            <a:schemeClr val="lt1"/>
+          </a:fontRef>
+        </p:style>
+        <p:txBody>
+          <a:bodyPr rtlCol="0" anchor="ctr"/>
+          <a:lstStyle/>
+          <a:p>
+            <a:pPr algn="ctr"/>
+            <a:r>
+              <a:rPr lang="en-US" dirty="0"/>
+              <a:t>Queue</a:t>
+            </a:r>
+          </a:p>
+        </p:txBody>
+      </p:sp>
+      <p:cxnSp>
+        <p:nvCxnSpPr>
+          <p:cNvPr id="28" name="Conector drept cu săgeată 27">
+            <a:extLst>
+              <a:ext uri="{FF2B5EF4-FFF2-40B4-BE49-F238E27FC236}">
+                <a16:creationId xmlns:a16="http://schemas.microsoft.com/office/drawing/2014/main" id="{4E72C3DD-68C3-4669-8832-4C3F95904434}"/>
+              </a:ext>
+            </a:extLst>
+          </p:cNvPr>
+          <p:cNvCxnSpPr>
+            <a:stCxn id="23" idx="3"/>
+            <a:endCxn id="24" idx="1"/>
+          </p:cNvCxnSpPr>
+          <p:nvPr/>
+        </p:nvCxnSpPr>
+        <p:spPr>
+          <a:xfrm>
+            <a:off x="3884198" y="5880424"/>
+            <a:ext cx="829204" cy="0"/>
+          </a:xfrm>
+          <a:prstGeom prst="straightConnector1">
+            <a:avLst/>
+          </a:prstGeom>
+          <a:ln>
+            <a:tailEnd type="triangle"/>
+          </a:ln>
+        </p:spPr>
+        <p:style>
+          <a:lnRef idx="1">
+            <a:schemeClr val="accent1"/>
+          </a:lnRef>
+          <a:fillRef idx="0">
+            <a:schemeClr val="accent1"/>
+          </a:fillRef>
+          <a:effectRef idx="0">
+            <a:schemeClr val="accent1"/>
+          </a:effectRef>
+          <a:fontRef idx="minor">
+            <a:schemeClr val="tx1"/>
+          </a:fontRef>
+        </p:style>
+      </p:cxnSp>
+      <p:cxnSp>
+        <p:nvCxnSpPr>
+          <p:cNvPr id="30" name="Conector drept cu săgeată 29">
+            <a:extLst>
+              <a:ext uri="{FF2B5EF4-FFF2-40B4-BE49-F238E27FC236}">
+                <a16:creationId xmlns:a16="http://schemas.microsoft.com/office/drawing/2014/main" id="{5902BBCD-8882-49C6-9040-A18D5982E8E7}"/>
+              </a:ext>
+            </a:extLst>
+          </p:cNvPr>
+          <p:cNvCxnSpPr>
+            <a:cxnSpLocks/>
+            <a:stCxn id="24" idx="4"/>
+            <a:endCxn id="25" idx="1"/>
+          </p:cNvCxnSpPr>
+          <p:nvPr/>
+        </p:nvCxnSpPr>
+        <p:spPr>
+          <a:xfrm>
+            <a:off x="6646443" y="5880424"/>
+            <a:ext cx="668434" cy="0"/>
+          </a:xfrm>
+          <a:prstGeom prst="straightConnector1">
+            <a:avLst/>
+          </a:prstGeom>
+          <a:ln>
+            <a:tailEnd type="triangle"/>
+          </a:ln>
+        </p:spPr>
+        <p:style>
+          <a:lnRef idx="1">
+            <a:schemeClr val="accent1"/>
+          </a:lnRef>
+          <a:fillRef idx="0">
+            <a:schemeClr val="accent1"/>
+          </a:fillRef>
+          <a:effectRef idx="0">
+            <a:schemeClr val="accent1"/>
+          </a:effectRef>
+          <a:fontRef idx="minor">
+            <a:schemeClr val="tx1"/>
+          </a:fontRef>
+        </p:style>
+      </p:cxnSp>
+      <p:sp>
+        <p:nvSpPr>
+          <p:cNvPr id="33" name="CasetăText 32">
+            <a:extLst>
+              <a:ext uri="{FF2B5EF4-FFF2-40B4-BE49-F238E27FC236}">
+                <a16:creationId xmlns:a16="http://schemas.microsoft.com/office/drawing/2014/main" id="{B7BC23E1-0061-445A-89A6-46BFBA4866AE}"/>
+              </a:ext>
+            </a:extLst>
+          </p:cNvPr>
+          <p:cNvSpPr txBox="1"/>
+          <p:nvPr/>
+        </p:nvSpPr>
+        <p:spPr>
+          <a:xfrm>
+            <a:off x="1754609" y="1745960"/>
+            <a:ext cx="623585" cy="369332"/>
+          </a:xfrm>
+          <a:prstGeom prst="rect">
+            <a:avLst/>
+          </a:prstGeom>
+          <a:noFill/>
+        </p:spPr>
+        <p:txBody>
+          <a:bodyPr wrap="square" rtlCol="0">
+            <a:spAutoFit/>
+          </a:bodyPr>
+          <a:lstStyle/>
+          <a:p>
+            <a:r>
+              <a:rPr lang="en-US" dirty="0"/>
+              <a:t>http</a:t>
+            </a:r>
+          </a:p>
+        </p:txBody>
+      </p:sp>
+      <p:sp>
+        <p:nvSpPr>
+          <p:cNvPr id="34" name="CasetăText 33">
+            <a:extLst>
+              <a:ext uri="{FF2B5EF4-FFF2-40B4-BE49-F238E27FC236}">
+                <a16:creationId xmlns:a16="http://schemas.microsoft.com/office/drawing/2014/main" id="{DB3421DA-111B-45BB-943F-89DEDD5490C2}"/>
+              </a:ext>
+            </a:extLst>
+          </p:cNvPr>
+          <p:cNvSpPr txBox="1"/>
+          <p:nvPr/>
+        </p:nvSpPr>
+        <p:spPr>
+          <a:xfrm>
+            <a:off x="4461372" y="3856532"/>
+            <a:ext cx="623585" cy="369332"/>
+          </a:xfrm>
+          <a:prstGeom prst="rect">
+            <a:avLst/>
+          </a:prstGeom>
+          <a:noFill/>
+        </p:spPr>
+        <p:txBody>
+          <a:bodyPr wrap="square" rtlCol="0">
+            <a:spAutoFit/>
+          </a:bodyPr>
+          <a:lstStyle/>
+          <a:p>
+            <a:r>
+              <a:rPr lang="en-US" dirty="0"/>
+              <a:t>soap</a:t>
+            </a:r>
+          </a:p>
+        </p:txBody>
+      </p:sp>
+      <p:sp>
+        <p:nvSpPr>
+          <p:cNvPr id="35" name="CasetăText 34">
+            <a:extLst>
+              <a:ext uri="{FF2B5EF4-FFF2-40B4-BE49-F238E27FC236}">
+                <a16:creationId xmlns:a16="http://schemas.microsoft.com/office/drawing/2014/main" id="{09AA1564-D230-4EC5-BE83-87B8A526274F}"/>
+              </a:ext>
+            </a:extLst>
+          </p:cNvPr>
+          <p:cNvSpPr txBox="1"/>
+          <p:nvPr/>
+        </p:nvSpPr>
+        <p:spPr>
+          <a:xfrm>
+            <a:off x="8776032" y="2237267"/>
+            <a:ext cx="623585" cy="369332"/>
+          </a:xfrm>
+          <a:prstGeom prst="rect">
+            <a:avLst/>
+          </a:prstGeom>
+          <a:noFill/>
+        </p:spPr>
+        <p:txBody>
+          <a:bodyPr wrap="square" rtlCol="0">
+            <a:spAutoFit/>
+          </a:bodyPr>
+          <a:lstStyle/>
+          <a:p>
+            <a:r>
+              <a:rPr lang="en-US" dirty="0" err="1"/>
+              <a:t>rpc</a:t>
+            </a:r>
+            <a:endParaRPr lang="en-US" dirty="0"/>
           </a:p>
         </p:txBody>
       </p:sp>
@@ -5932,6 +6404,52 @@
           </a:p>
         </p:txBody>
       </p:sp>
+      <p:sp>
+        <p:nvSpPr>
+          <p:cNvPr id="6" name="Săgeată: sus 5">
+            <a:extLst>
+              <a:ext uri="{FF2B5EF4-FFF2-40B4-BE49-F238E27FC236}">
+                <a16:creationId xmlns:a16="http://schemas.microsoft.com/office/drawing/2014/main" id="{C4697A38-A3E6-47B8-B44F-DA28DA8FAECE}"/>
+              </a:ext>
+            </a:extLst>
+          </p:cNvPr>
+          <p:cNvSpPr/>
+          <p:nvPr/>
+        </p:nvSpPr>
+        <p:spPr>
+          <a:xfrm>
+            <a:off x="368059" y="2326643"/>
+            <a:ext cx="336884" cy="473118"/>
+          </a:xfrm>
+          <a:prstGeom prst="upArrow">
+            <a:avLst/>
+          </a:prstGeom>
+        </p:spPr>
+        <p:style>
+          <a:lnRef idx="2">
+            <a:schemeClr val="accent1">
+              <a:shade val="50000"/>
+            </a:schemeClr>
+          </a:lnRef>
+          <a:fillRef idx="1">
+            <a:schemeClr val="accent1"/>
+          </a:fillRef>
+          <a:effectRef idx="0">
+            <a:schemeClr val="accent1"/>
+          </a:effectRef>
+          <a:fontRef idx="minor">
+            <a:schemeClr val="lt1"/>
+          </a:fontRef>
+        </p:style>
+        <p:txBody>
+          <a:bodyPr rtlCol="0" anchor="ctr"/>
+          <a:lstStyle/>
+          <a:p>
+            <a:pPr algn="ctr"/>
+            <a:endParaRPr lang="en-US"/>
+          </a:p>
+        </p:txBody>
+      </p:sp>
     </p:spTree>
     <p:extLst>
       <p:ext uri="{BB962C8B-B14F-4D97-AF65-F5344CB8AC3E}">
@@ -5962,85 +6480,75 @@
           <a:chExt cx="0" cy="0"/>
         </a:xfrm>
       </p:grpSpPr>
-      <p:sp>
-        <p:nvSpPr>
-          <p:cNvPr id="2" name="Titlu 1">
-            <a:extLst>
-              <a:ext uri="{FF2B5EF4-FFF2-40B4-BE49-F238E27FC236}">
-                <a16:creationId xmlns:a16="http://schemas.microsoft.com/office/drawing/2014/main" id="{701AB9AC-CEFA-4EAC-80C1-457E10F94DDC}"/>
-              </a:ext>
-            </a:extLst>
-          </p:cNvPr>
-          <p:cNvSpPr>
-            <a:spLocks noGrp="1"/>
-          </p:cNvSpPr>
-          <p:nvPr>
-            <p:ph type="title"/>
-          </p:nvPr>
-        </p:nvSpPr>
-        <p:spPr/>
-        <p:txBody>
-          <a:bodyPr/>
-          <a:lstStyle/>
-          <a:p>
-            <a:r>
-              <a:rPr lang="en-US" dirty="0"/>
-              <a:t>RabbitMQ Management Portal</a:t>
-            </a:r>
-          </a:p>
-        </p:txBody>
-      </p:sp>
       <p:pic>
         <p:nvPicPr>
-          <p:cNvPr id="5122" name="Picture 2">
-            <a:extLst>
-              <a:ext uri="{FF2B5EF4-FFF2-40B4-BE49-F238E27FC236}">
-                <a16:creationId xmlns:a16="http://schemas.microsoft.com/office/drawing/2014/main" id="{0A13AB8A-D03F-4A2D-9810-43B15CCFD271}"/>
+          <p:cNvPr id="4" name="Imagine 3">
+            <a:extLst>
+              <a:ext uri="{FF2B5EF4-FFF2-40B4-BE49-F238E27FC236}">
+                <a16:creationId xmlns:a16="http://schemas.microsoft.com/office/drawing/2014/main" id="{B36395D1-6A0E-4A1A-814E-2F6D4499B197}"/>
               </a:ext>
             </a:extLst>
           </p:cNvPr>
           <p:cNvPicPr>
-            <a:picLocks noChangeAspect="1" noChangeArrowheads="1"/>
+            <a:picLocks noChangeAspect="1"/>
           </p:cNvPicPr>
           <p:nvPr/>
         </p:nvPicPr>
         <p:blipFill>
-          <a:blip r:embed="rId2">
-            <a:extLst>
-              <a:ext uri="{28A0092B-C50C-407E-A947-70E740481C1C}">
-                <a14:useLocalDpi xmlns:a14="http://schemas.microsoft.com/office/drawing/2010/main" val="0"/>
-              </a:ext>
-            </a:extLst>
-          </a:blip>
-          <a:srcRect/>
+          <a:blip r:embed="rId2"/>
           <a:stretch>
             <a:fillRect/>
           </a:stretch>
         </p:blipFill>
-        <p:spPr bwMode="auto">
+        <p:spPr>
           <a:xfrm>
-            <a:off x="0" y="1960396"/>
-            <a:ext cx="12192000" cy="4732337"/>
+            <a:off x="1063447" y="0"/>
+            <a:ext cx="9782299" cy="6858000"/>
           </a:xfrm>
           <a:prstGeom prst="rect">
             <a:avLst/>
           </a:prstGeom>
-          <a:noFill/>
-          <a:extLst>
-            <a:ext uri="{909E8E84-426E-40DD-AFC4-6F175D3DCCD1}">
-              <a14:hiddenFill xmlns:a14="http://schemas.microsoft.com/office/drawing/2010/main">
-                <a:solidFill>
-                  <a:srgbClr val="FFFFFF"/>
-                </a:solidFill>
-              </a14:hiddenFill>
-            </a:ext>
-          </a:extLst>
+        </p:spPr>
+      </p:pic>
+      <p:pic>
+        <p:nvPicPr>
+          <p:cNvPr id="5" name="Imagine 4">
+            <a:extLst>
+              <a:ext uri="{FF2B5EF4-FFF2-40B4-BE49-F238E27FC236}">
+                <a16:creationId xmlns:a16="http://schemas.microsoft.com/office/drawing/2014/main" id="{14D8EC5F-DC9E-48F3-BC1B-F91C0368BDC3}"/>
+              </a:ext>
+            </a:extLst>
+          </p:cNvPr>
+          <p:cNvPicPr>
+            <a:picLocks noChangeAspect="1"/>
+          </p:cNvPicPr>
+          <p:nvPr/>
+        </p:nvPicPr>
+        <p:blipFill>
+          <a:blip r:embed="rId3"/>
+          <a:stretch>
+            <a:fillRect/>
+          </a:stretch>
+        </p:blipFill>
+        <p:spPr>
+          <a:xfrm>
+            <a:off x="669843" y="3349411"/>
+            <a:ext cx="11172825" cy="1724025"/>
+          </a:xfrm>
+          <a:prstGeom prst="rect">
+            <a:avLst/>
+          </a:prstGeom>
+          <a:ln>
+            <a:solidFill>
+              <a:schemeClr val="tx1"/>
+            </a:solidFill>
+          </a:ln>
         </p:spPr>
       </p:pic>
     </p:spTree>
     <p:extLst>
       <p:ext uri="{BB962C8B-B14F-4D97-AF65-F5344CB8AC3E}">
-        <p14:creationId xmlns:p14="http://schemas.microsoft.com/office/powerpoint/2010/main" val="4118608020"/>
+        <p14:creationId xmlns:p14="http://schemas.microsoft.com/office/powerpoint/2010/main" val="831315796"/>
       </p:ext>
     </p:extLst>
   </p:cSld>
@@ -6072,7 +6580,7 @@
           <p:cNvPr id="2" name="Titlu 1">
             <a:extLst>
               <a:ext uri="{FF2B5EF4-FFF2-40B4-BE49-F238E27FC236}">
-                <a16:creationId xmlns:a16="http://schemas.microsoft.com/office/drawing/2014/main" id="{E0BED5DF-F2A9-4DDC-84F1-8308E2948D41}"/>
+                <a16:creationId xmlns:a16="http://schemas.microsoft.com/office/drawing/2014/main" id="{701AB9AC-CEFA-4EAC-80C1-457E10F94DDC}"/>
               </a:ext>
             </a:extLst>
           </p:cNvPr>
@@ -6089,78 +6597,63 @@
           <a:lstStyle/>
           <a:p>
             <a:r>
-              <a:rPr lang="en-US" dirty="0" err="1"/>
-              <a:t>RabbitMQ.Client</a:t>
-            </a:r>
-            <a:r>
-              <a:rPr lang="en-US" dirty="0"/>
-              <a:t> </a:t>
-            </a:r>
-            <a:r>
-              <a:rPr lang="en-US" dirty="0" err="1"/>
-              <a:t>.Net</a:t>
-            </a:r>
-            <a:r>
-              <a:rPr lang="en-US" dirty="0"/>
-              <a:t>/C#</a:t>
-            </a:r>
-          </a:p>
-        </p:txBody>
-      </p:sp>
-      <p:sp>
-        <p:nvSpPr>
-          <p:cNvPr id="3" name="Substituent conținut 2">
-            <a:extLst>
-              <a:ext uri="{FF2B5EF4-FFF2-40B4-BE49-F238E27FC236}">
-                <a16:creationId xmlns:a16="http://schemas.microsoft.com/office/drawing/2014/main" id="{5FBCD992-2A45-43C9-A7E7-4017A4A92DE1}"/>
-              </a:ext>
-            </a:extLst>
-          </p:cNvPr>
-          <p:cNvSpPr>
-            <a:spLocks noGrp="1"/>
-          </p:cNvSpPr>
-          <p:nvPr>
-            <p:ph idx="1"/>
-          </p:nvPr>
-        </p:nvSpPr>
-        <p:spPr/>
-        <p:txBody>
-          <a:bodyPr/>
-          <a:lstStyle/>
-          <a:p>
-            <a:r>
-              <a:rPr lang="en-US" u="sng" dirty="0">
-                <a:hlinkClick r:id="rId2"/>
-              </a:rPr>
-              <a:t>https://www.rabbitmq.com/dotnet-api-guide.html</a:t>
-            </a:r>
-            <a:endParaRPr lang="en-US" b="0" dirty="0">
-              <a:effectLst/>
-            </a:endParaRPr>
-          </a:p>
-          <a:p>
-            <a:r>
-              <a:rPr lang="en-US" u="sng" dirty="0">
-                <a:hlinkClick r:id="rId3"/>
-              </a:rPr>
-              <a:t>https://www.rabbitmq.com/tutorials/tutorial-one-dotnet.html</a:t>
-            </a:r>
-            <a:endParaRPr lang="en-US" b="0" dirty="0">
-              <a:effectLst/>
-            </a:endParaRPr>
-          </a:p>
-          <a:p>
-            <a:pPr marL="0" indent="0">
-              <a:buNone/>
-            </a:pPr>
-            <a:endParaRPr lang="en-US" dirty="0"/>
-          </a:p>
-        </p:txBody>
-      </p:sp>
+              <a:rPr lang="en-US" dirty="0"/>
+              <a:t>RabbitMQ Management Portal</a:t>
+            </a:r>
+          </a:p>
+        </p:txBody>
+      </p:sp>
+      <p:pic>
+        <p:nvPicPr>
+          <p:cNvPr id="5122" name="Picture 2">
+            <a:extLst>
+              <a:ext uri="{FF2B5EF4-FFF2-40B4-BE49-F238E27FC236}">
+                <a16:creationId xmlns:a16="http://schemas.microsoft.com/office/drawing/2014/main" id="{0A13AB8A-D03F-4A2D-9810-43B15CCFD271}"/>
+              </a:ext>
+            </a:extLst>
+          </p:cNvPr>
+          <p:cNvPicPr>
+            <a:picLocks noChangeAspect="1" noChangeArrowheads="1"/>
+          </p:cNvPicPr>
+          <p:nvPr/>
+        </p:nvPicPr>
+        <p:blipFill>
+          <a:blip r:embed="rId2">
+            <a:extLst>
+              <a:ext uri="{28A0092B-C50C-407E-A947-70E740481C1C}">
+                <a14:useLocalDpi xmlns:a14="http://schemas.microsoft.com/office/drawing/2010/main" val="0"/>
+              </a:ext>
+            </a:extLst>
+          </a:blip>
+          <a:srcRect/>
+          <a:stretch>
+            <a:fillRect/>
+          </a:stretch>
+        </p:blipFill>
+        <p:spPr bwMode="auto">
+          <a:xfrm>
+            <a:off x="0" y="1960396"/>
+            <a:ext cx="12192000" cy="4732337"/>
+          </a:xfrm>
+          <a:prstGeom prst="rect">
+            <a:avLst/>
+          </a:prstGeom>
+          <a:noFill/>
+          <a:extLst>
+            <a:ext uri="{909E8E84-426E-40DD-AFC4-6F175D3DCCD1}">
+              <a14:hiddenFill xmlns:a14="http://schemas.microsoft.com/office/drawing/2010/main">
+                <a:solidFill>
+                  <a:srgbClr val="FFFFFF"/>
+                </a:solidFill>
+              </a14:hiddenFill>
+            </a:ext>
+          </a:extLst>
+        </p:spPr>
+      </p:pic>
     </p:spTree>
     <p:extLst>
       <p:ext uri="{BB962C8B-B14F-4D97-AF65-F5344CB8AC3E}">
-        <p14:creationId xmlns:p14="http://schemas.microsoft.com/office/powerpoint/2010/main" val="2023554785"/>
+        <p14:creationId xmlns:p14="http://schemas.microsoft.com/office/powerpoint/2010/main" val="4118608020"/>
       </p:ext>
     </p:extLst>
   </p:cSld>
